--- a/pptx/templates/default.pptx
+++ b/pptx/templates/default.pptx
@@ -4,6 +4,9 @@
   <p:sldMasterIdLst>
     <p:sldMasterId id="2147483660" r:id="rId1"/>
   </p:sldMasterIdLst>
+  <p:sldIdLst>
+    <p:sldId id="256" r:id="rId2"/>
+  </p:sldIdLst>
   <p:sldSz cx="9144000" cy="6858000" type="screen4x3"/>
   <p:notesSz cx="6858000" cy="9144000"/>
   <p:defaultTextStyle>
@@ -236,7 +239,7 @@
             <a:fld id="{B4BFD808-6B56-4447-9401-2398D08EE3C0}" type="datetime1">
               <a:rPr lang="en-US" smtClean="0"/>
               <a:pPr/>
-              <a:t>3/12/2018</a:t>
+              <a:t>9/20/2018</a:t>
             </a:fld>
             <a:endParaRPr lang="en-US" dirty="0"/>
           </a:p>
@@ -545,7 +548,7 @@
             <a:fld id="{B4BFD808-6B56-4447-9401-2398D08EE3C0}" type="datetime1">
               <a:rPr lang="en-US" smtClean="0"/>
               <a:pPr/>
-              <a:t>3/12/2018</a:t>
+              <a:t>9/20/2018</a:t>
             </a:fld>
             <a:endParaRPr lang="en-US" dirty="0"/>
           </a:p>
@@ -841,7 +844,7 @@
             <a:fld id="{B4BFD808-6B56-4447-9401-2398D08EE3C0}" type="datetime1">
               <a:rPr lang="en-US" smtClean="0"/>
               <a:pPr/>
-              <a:t>3/12/2018</a:t>
+              <a:t>9/20/2018</a:t>
             </a:fld>
             <a:endParaRPr lang="en-US" dirty="0"/>
           </a:p>
@@ -1410,7 +1413,7 @@
             <a:fld id="{B4BFD808-6B56-4447-9401-2398D08EE3C0}" type="datetime1">
               <a:rPr lang="en-US" smtClean="0"/>
               <a:pPr/>
-              <a:t>3/12/2018</a:t>
+              <a:t>9/20/2018</a:t>
             </a:fld>
             <a:endParaRPr lang="en-US" dirty="0"/>
           </a:p>
@@ -1802,7 +1805,7 @@
             <a:fld id="{B4BFD808-6B56-4447-9401-2398D08EE3C0}" type="datetime1">
               <a:rPr lang="en-US" smtClean="0"/>
               <a:pPr/>
-              <a:t>3/12/2018</a:t>
+              <a:t>9/20/2018</a:t>
             </a:fld>
             <a:endParaRPr lang="en-US" dirty="0"/>
           </a:p>
@@ -2130,7 +2133,7 @@
             <a:fld id="{B4BFD808-6B56-4447-9401-2398D08EE3C0}" type="datetime1">
               <a:rPr lang="en-US" smtClean="0"/>
               <a:pPr/>
-              <a:t>3/12/2018</a:t>
+              <a:t>9/20/2018</a:t>
             </a:fld>
             <a:endParaRPr lang="en-US" dirty="0"/>
           </a:p>
@@ -2563,7 +2566,7 @@
             <a:fld id="{B4BFD808-6B56-4447-9401-2398D08EE3C0}" type="datetime1">
               <a:rPr lang="en-US" smtClean="0"/>
               <a:pPr/>
-              <a:t>3/12/2018</a:t>
+              <a:t>9/20/2018</a:t>
             </a:fld>
             <a:endParaRPr lang="en-US" dirty="0"/>
           </a:p>
@@ -2843,7 +2846,7 @@
             <a:fld id="{B4BFD808-6B56-4447-9401-2398D08EE3C0}" type="datetime1">
               <a:rPr lang="en-US" smtClean="0"/>
               <a:pPr/>
-              <a:t>3/12/2018</a:t>
+              <a:t>9/20/2018</a:t>
             </a:fld>
             <a:endParaRPr lang="en-US" dirty="0"/>
           </a:p>
@@ -3232,6 +3235,36 @@
     </p:otherStyle>
   </p:txStyles>
 </p:sldMaster>
+</file>
+
+<file path=ppt/slides/slide1.xml><?xml version="1.0" encoding="utf-8"?>
+<p:sld xmlns:a="http://schemas.openxmlformats.org/drawingml/2006/main" xmlns:r="http://schemas.openxmlformats.org/officeDocument/2006/relationships" xmlns:p="http://schemas.openxmlformats.org/presentationml/2006/main">
+  <p:cSld>
+    <p:spTree>
+      <p:nvGrpSpPr>
+        <p:cNvPr id="1" name=""/>
+        <p:cNvGrpSpPr/>
+        <p:nvPr/>
+      </p:nvGrpSpPr>
+      <p:grpSpPr>
+        <a:xfrm>
+          <a:off x="0" y="0"/>
+          <a:ext cx="0" cy="0"/>
+          <a:chOff x="0" y="0"/>
+          <a:chExt cx="0" cy="0"/>
+        </a:xfrm>
+      </p:grpSpPr>
+    </p:spTree>
+    <p:extLst>
+      <p:ext uri="{BB962C8B-B14F-4D97-AF65-F5344CB8AC3E}">
+        <p14:creationId xmlns:p14="http://schemas.microsoft.com/office/powerpoint/2010/main" val="3303585874"/>
+      </p:ext>
+    </p:extLst>
+  </p:cSld>
+  <p:clrMapOvr>
+    <a:masterClrMapping/>
+  </p:clrMapOvr>
+</p:sld>
 </file>
 
 <file path=ppt/theme/theme1.xml><?xml version="1.0" encoding="utf-8"?>
